--- a/Documentation/Presentation.pptx
+++ b/Documentation/Presentation.pptx
@@ -6,16 +6,17 @@
   </p:sldMasterIdLst>
   <p:sldIdLst>
     <p:sldId id="256" r:id="rId2"/>
-    <p:sldId id="257" r:id="rId3"/>
-    <p:sldId id="258" r:id="rId4"/>
-    <p:sldId id="259" r:id="rId5"/>
-    <p:sldId id="260" r:id="rId6"/>
-    <p:sldId id="261" r:id="rId7"/>
-    <p:sldId id="262" r:id="rId8"/>
-    <p:sldId id="263" r:id="rId9"/>
-    <p:sldId id="264" r:id="rId10"/>
-    <p:sldId id="265" r:id="rId11"/>
-    <p:sldId id="266" r:id="rId12"/>
+    <p:sldId id="267" r:id="rId3"/>
+    <p:sldId id="257" r:id="rId4"/>
+    <p:sldId id="258" r:id="rId5"/>
+    <p:sldId id="259" r:id="rId6"/>
+    <p:sldId id="260" r:id="rId7"/>
+    <p:sldId id="261" r:id="rId8"/>
+    <p:sldId id="262" r:id="rId9"/>
+    <p:sldId id="263" r:id="rId10"/>
+    <p:sldId id="264" r:id="rId11"/>
+    <p:sldId id="265" r:id="rId12"/>
+    <p:sldId id="266" r:id="rId13"/>
   </p:sldIdLst>
   <p:sldSz cx="9144000" cy="6858000" type="screen4x3"/>
   <p:notesSz cx="6858000" cy="9144000"/>
@@ -5654,7 +5655,7 @@
       </p:grpSpPr>
       <p:sp>
         <p:nvSpPr>
-          <p:cNvPr id="7" name="Title 6"/>
+          <p:cNvPr id="2" name="Title 1"/>
           <p:cNvSpPr>
             <a:spLocks noGrp="1"/>
           </p:cNvSpPr>
@@ -5668,36 +5669,42 @@
           <a:lstStyle/>
           <a:p>
             <a:r>
-              <a:rPr lang="en-US" dirty="0" smtClean="0"/>
-              <a:t>DEMO!</a:t>
+              <a:rPr lang="en-US" dirty="0" err="1" smtClean="0"/>
+              <a:t>Verteilungsdiagramm</a:t>
             </a:r>
             <a:endParaRPr lang="en-US" dirty="0"/>
           </a:p>
         </p:txBody>
       </p:sp>
-      <p:sp>
-        <p:nvSpPr>
-          <p:cNvPr id="8" name="Text Placeholder 7"/>
-          <p:cNvSpPr>
-            <a:spLocks noGrp="1"/>
-          </p:cNvSpPr>
-          <p:nvPr>
-            <p:ph type="body" idx="1"/>
-          </p:nvPr>
-        </p:nvSpPr>
+      <p:pic>
+        <p:nvPicPr>
+          <p:cNvPr id="4" name="Content Placeholder 3" descr="DeploymentModel.png"/>
+          <p:cNvPicPr>
+            <a:picLocks noGrp="1" noChangeAspect="1"/>
+          </p:cNvPicPr>
+          <p:nvPr>
+            <p:ph idx="1"/>
+          </p:nvPr>
+        </p:nvPicPr>
+        <p:blipFill>
+          <a:blip r:embed="rId2">
+            <a:extLst>
+              <a:ext uri="{28A0092B-C50C-407E-A947-70E740481C1C}">
+                <a14:useLocalDpi xmlns:a14="http://schemas.microsoft.com/office/drawing/2010/main" val="0"/>
+              </a:ext>
+            </a:extLst>
+          </a:blip>
+          <a:srcRect l="-25285" r="-25285"/>
+          <a:stretch>
+            <a:fillRect/>
+          </a:stretch>
+        </p:blipFill>
         <p:spPr/>
-        <p:txBody>
-          <a:bodyPr/>
-          <a:lstStyle/>
-          <a:p>
-            <a:endParaRPr lang="en-US"/>
-          </a:p>
-        </p:txBody>
-      </p:sp>
+      </p:pic>
     </p:spTree>
     <p:extLst>
       <p:ext uri="{BB962C8B-B14F-4D97-AF65-F5344CB8AC3E}">
-        <p14:creationId xmlns:p14="http://schemas.microsoft.com/office/powerpoint/2010/main" val="3521591964"/>
+        <p14:creationId xmlns:p14="http://schemas.microsoft.com/office/powerpoint/2010/main" val="1294134011"/>
       </p:ext>
     </p:extLst>
   </p:cSld>
@@ -5740,6 +5747,78 @@
           <a:lstStyle/>
           <a:p>
             <a:r>
+              <a:rPr lang="en-US" dirty="0" smtClean="0"/>
+              <a:t>DEMO!</a:t>
+            </a:r>
+            <a:endParaRPr lang="en-US" dirty="0"/>
+          </a:p>
+        </p:txBody>
+      </p:sp>
+      <p:sp>
+        <p:nvSpPr>
+          <p:cNvPr id="8" name="Text Placeholder 7"/>
+          <p:cNvSpPr>
+            <a:spLocks noGrp="1"/>
+          </p:cNvSpPr>
+          <p:nvPr>
+            <p:ph type="body" idx="1"/>
+          </p:nvPr>
+        </p:nvSpPr>
+        <p:spPr/>
+        <p:txBody>
+          <a:bodyPr/>
+          <a:lstStyle/>
+          <a:p>
+            <a:endParaRPr lang="en-US"/>
+          </a:p>
+        </p:txBody>
+      </p:sp>
+    </p:spTree>
+    <p:extLst>
+      <p:ext uri="{BB962C8B-B14F-4D97-AF65-F5344CB8AC3E}">
+        <p14:creationId xmlns:p14="http://schemas.microsoft.com/office/powerpoint/2010/main" val="3521591964"/>
+      </p:ext>
+    </p:extLst>
+  </p:cSld>
+  <p:clrMapOvr>
+    <a:masterClrMapping/>
+  </p:clrMapOvr>
+</p:sld>
+</file>
+
+<file path=ppt/slides/slide12.xml><?xml version="1.0" encoding="utf-8"?>
+<p:sld xmlns:a="http://schemas.openxmlformats.org/drawingml/2006/main" xmlns:r="http://schemas.openxmlformats.org/officeDocument/2006/relationships" xmlns:p="http://schemas.openxmlformats.org/presentationml/2006/main">
+  <p:cSld>
+    <p:spTree>
+      <p:nvGrpSpPr>
+        <p:cNvPr id="1" name=""/>
+        <p:cNvGrpSpPr/>
+        <p:nvPr/>
+      </p:nvGrpSpPr>
+      <p:grpSpPr>
+        <a:xfrm>
+          <a:off x="0" y="0"/>
+          <a:ext cx="0" cy="0"/>
+          <a:chOff x="0" y="0"/>
+          <a:chExt cx="0" cy="0"/>
+        </a:xfrm>
+      </p:grpSpPr>
+      <p:sp>
+        <p:nvSpPr>
+          <p:cNvPr id="7" name="Title 6"/>
+          <p:cNvSpPr>
+            <a:spLocks noGrp="1"/>
+          </p:cNvSpPr>
+          <p:nvPr>
+            <p:ph type="title"/>
+          </p:nvPr>
+        </p:nvSpPr>
+        <p:spPr/>
+        <p:txBody>
+          <a:bodyPr/>
+          <a:lstStyle/>
+          <a:p>
+            <a:r>
               <a:rPr lang="en-US" smtClean="0"/>
               <a:t>Q&amp;A</a:t>
             </a:r>
@@ -5784,6 +5863,126 @@
 </file>
 
 <file path=ppt/slides/slide2.xml><?xml version="1.0" encoding="utf-8"?>
+<p:sld xmlns:a="http://schemas.openxmlformats.org/drawingml/2006/main" xmlns:r="http://schemas.openxmlformats.org/officeDocument/2006/relationships" xmlns:p="http://schemas.openxmlformats.org/presentationml/2006/main">
+  <p:cSld>
+    <p:spTree>
+      <p:nvGrpSpPr>
+        <p:cNvPr id="1" name=""/>
+        <p:cNvGrpSpPr/>
+        <p:nvPr/>
+      </p:nvGrpSpPr>
+      <p:grpSpPr>
+        <a:xfrm>
+          <a:off x="0" y="0"/>
+          <a:ext cx="0" cy="0"/>
+          <a:chOff x="0" y="0"/>
+          <a:chExt cx="0" cy="0"/>
+        </a:xfrm>
+      </p:grpSpPr>
+      <p:sp>
+        <p:nvSpPr>
+          <p:cNvPr id="2" name="Title 1"/>
+          <p:cNvSpPr>
+            <a:spLocks noGrp="1"/>
+          </p:cNvSpPr>
+          <p:nvPr>
+            <p:ph type="title"/>
+          </p:nvPr>
+        </p:nvSpPr>
+        <p:spPr/>
+        <p:txBody>
+          <a:bodyPr/>
+          <a:lstStyle/>
+          <a:p>
+            <a:r>
+              <a:rPr lang="en-US" dirty="0" smtClean="0"/>
+              <a:t>Agenda</a:t>
+            </a:r>
+            <a:endParaRPr lang="en-US" dirty="0"/>
+          </a:p>
+        </p:txBody>
+      </p:sp>
+      <p:sp>
+        <p:nvSpPr>
+          <p:cNvPr id="3" name="Content Placeholder 2"/>
+          <p:cNvSpPr>
+            <a:spLocks noGrp="1"/>
+          </p:cNvSpPr>
+          <p:nvPr>
+            <p:ph idx="1"/>
+          </p:nvPr>
+        </p:nvSpPr>
+        <p:spPr/>
+        <p:txBody>
+          <a:bodyPr/>
+          <a:lstStyle/>
+          <a:p>
+            <a:pPr marL="457200" indent="-457200">
+              <a:buFont typeface="+mj-lt"/>
+              <a:buAutoNum type="arabicPeriod"/>
+            </a:pPr>
+            <a:r>
+              <a:rPr lang="en-US" dirty="0" err="1" smtClean="0"/>
+              <a:t>Aufgabenstellung</a:t>
+            </a:r>
+            <a:endParaRPr lang="en-US" dirty="0" smtClean="0"/>
+          </a:p>
+          <a:p>
+            <a:pPr marL="457200" indent="-457200">
+              <a:buFont typeface="+mj-lt"/>
+              <a:buAutoNum type="arabicPeriod"/>
+            </a:pPr>
+            <a:r>
+              <a:rPr lang="en-US" dirty="0" err="1" smtClean="0"/>
+              <a:t>Anforderungen</a:t>
+            </a:r>
+            <a:endParaRPr lang="en-US" dirty="0" smtClean="0"/>
+          </a:p>
+          <a:p>
+            <a:pPr marL="457200" indent="-457200">
+              <a:buFont typeface="+mj-lt"/>
+              <a:buAutoNum type="arabicPeriod"/>
+            </a:pPr>
+            <a:r>
+              <a:rPr lang="en-US" dirty="0" err="1" smtClean="0"/>
+              <a:t>Konzept</a:t>
+            </a:r>
+            <a:endParaRPr lang="en-US" dirty="0" smtClean="0"/>
+          </a:p>
+          <a:p>
+            <a:pPr marL="457200" indent="-457200">
+              <a:buFont typeface="+mj-lt"/>
+              <a:buAutoNum type="arabicPeriod"/>
+            </a:pPr>
+            <a:r>
+              <a:rPr lang="en-US" smtClean="0"/>
+              <a:t>Demo</a:t>
+            </a:r>
+            <a:endParaRPr lang="en-US" dirty="0"/>
+          </a:p>
+          <a:p>
+            <a:pPr marL="457200" indent="-457200">
+              <a:buFont typeface="+mj-lt"/>
+              <a:buAutoNum type="arabicPeriod"/>
+            </a:pPr>
+            <a:endParaRPr lang="en-US" dirty="0"/>
+          </a:p>
+        </p:txBody>
+      </p:sp>
+    </p:spTree>
+    <p:extLst>
+      <p:ext uri="{BB962C8B-B14F-4D97-AF65-F5344CB8AC3E}">
+        <p14:creationId xmlns:p14="http://schemas.microsoft.com/office/powerpoint/2010/main" val="1977592789"/>
+      </p:ext>
+    </p:extLst>
+  </p:cSld>
+  <p:clrMapOvr>
+    <a:masterClrMapping/>
+  </p:clrMapOvr>
+</p:sld>
+</file>
+
+<file path=ppt/slides/slide3.xml><?xml version="1.0" encoding="utf-8"?>
 <p:sld xmlns:a="http://schemas.openxmlformats.org/drawingml/2006/main" xmlns:r="http://schemas.openxmlformats.org/officeDocument/2006/relationships" xmlns:p="http://schemas.openxmlformats.org/presentationml/2006/main">
   <p:cSld>
     <p:spTree>
@@ -5974,7 +6173,7 @@
 </p:sld>
 </file>
 
-<file path=ppt/slides/slide3.xml><?xml version="1.0" encoding="utf-8"?>
+<file path=ppt/slides/slide4.xml><?xml version="1.0" encoding="utf-8"?>
 <p:sld xmlns:a="http://schemas.openxmlformats.org/drawingml/2006/main" xmlns:r="http://schemas.openxmlformats.org/officeDocument/2006/relationships" xmlns:p="http://schemas.openxmlformats.org/presentationml/2006/main">
   <p:cSld>
     <p:spTree>
@@ -6057,7 +6256,7 @@
 </p:sld>
 </file>
 
-<file path=ppt/slides/slide4.xml><?xml version="1.0" encoding="utf-8"?>
+<file path=ppt/slides/slide5.xml><?xml version="1.0" encoding="utf-8"?>
 <p:sld xmlns:a="http://schemas.openxmlformats.org/drawingml/2006/main" xmlns:r="http://schemas.openxmlformats.org/officeDocument/2006/relationships" xmlns:p="http://schemas.openxmlformats.org/presentationml/2006/main">
   <p:cSld>
     <p:spTree>
@@ -6147,7 +6346,7 @@
 </p:sld>
 </file>
 
-<file path=ppt/slides/slide5.xml><?xml version="1.0" encoding="utf-8"?>
+<file path=ppt/slides/slide6.xml><?xml version="1.0" encoding="utf-8"?>
 <p:sld xmlns:a="http://schemas.openxmlformats.org/drawingml/2006/main" xmlns:r="http://schemas.openxmlformats.org/officeDocument/2006/relationships" xmlns:p="http://schemas.openxmlformats.org/presentationml/2006/main">
   <p:cSld>
     <p:spTree>
@@ -6225,7 +6424,7 @@
 </p:sld>
 </file>
 
-<file path=ppt/slides/slide6.xml><?xml version="1.0" encoding="utf-8"?>
+<file path=ppt/slides/slide7.xml><?xml version="1.0" encoding="utf-8"?>
 <p:sld xmlns:a="http://schemas.openxmlformats.org/drawingml/2006/main" xmlns:r="http://schemas.openxmlformats.org/officeDocument/2006/relationships" xmlns:p="http://schemas.openxmlformats.org/presentationml/2006/main">
   <p:cSld>
     <p:spTree>
@@ -6303,7 +6502,7 @@
 </p:sld>
 </file>
 
-<file path=ppt/slides/slide7.xml><?xml version="1.0" encoding="utf-8"?>
+<file path=ppt/slides/slide8.xml><?xml version="1.0" encoding="utf-8"?>
 <p:sld xmlns:a="http://schemas.openxmlformats.org/drawingml/2006/main" xmlns:r="http://schemas.openxmlformats.org/officeDocument/2006/relationships" xmlns:p="http://schemas.openxmlformats.org/presentationml/2006/main">
   <p:cSld>
     <p:spTree>
@@ -6423,7 +6622,7 @@
 </p:sld>
 </file>
 
-<file path=ppt/slides/slide8.xml><?xml version="1.0" encoding="utf-8"?>
+<file path=ppt/slides/slide9.xml><?xml version="1.0" encoding="utf-8"?>
 <p:sld xmlns:a="http://schemas.openxmlformats.org/drawingml/2006/main" xmlns:r="http://schemas.openxmlformats.org/officeDocument/2006/relationships" xmlns:p="http://schemas.openxmlformats.org/presentationml/2006/main">
   <p:cSld>
     <p:spTree>
@@ -6500,84 +6699,6 @@
     <p:extLst>
       <p:ext uri="{BB962C8B-B14F-4D97-AF65-F5344CB8AC3E}">
         <p14:creationId xmlns:p14="http://schemas.microsoft.com/office/powerpoint/2010/main" val="3985575420"/>
-      </p:ext>
-    </p:extLst>
-  </p:cSld>
-  <p:clrMapOvr>
-    <a:masterClrMapping/>
-  </p:clrMapOvr>
-</p:sld>
-</file>
-
-<file path=ppt/slides/slide9.xml><?xml version="1.0" encoding="utf-8"?>
-<p:sld xmlns:a="http://schemas.openxmlformats.org/drawingml/2006/main" xmlns:r="http://schemas.openxmlformats.org/officeDocument/2006/relationships" xmlns:p="http://schemas.openxmlformats.org/presentationml/2006/main">
-  <p:cSld>
-    <p:spTree>
-      <p:nvGrpSpPr>
-        <p:cNvPr id="1" name=""/>
-        <p:cNvGrpSpPr/>
-        <p:nvPr/>
-      </p:nvGrpSpPr>
-      <p:grpSpPr>
-        <a:xfrm>
-          <a:off x="0" y="0"/>
-          <a:ext cx="0" cy="0"/>
-          <a:chOff x="0" y="0"/>
-          <a:chExt cx="0" cy="0"/>
-        </a:xfrm>
-      </p:grpSpPr>
-      <p:sp>
-        <p:nvSpPr>
-          <p:cNvPr id="2" name="Title 1"/>
-          <p:cNvSpPr>
-            <a:spLocks noGrp="1"/>
-          </p:cNvSpPr>
-          <p:nvPr>
-            <p:ph type="title"/>
-          </p:nvPr>
-        </p:nvSpPr>
-        <p:spPr/>
-        <p:txBody>
-          <a:bodyPr/>
-          <a:lstStyle/>
-          <a:p>
-            <a:r>
-              <a:rPr lang="en-US" dirty="0" err="1" smtClean="0"/>
-              <a:t>Verteilungsdiagramm</a:t>
-            </a:r>
-            <a:endParaRPr lang="en-US" dirty="0"/>
-          </a:p>
-        </p:txBody>
-      </p:sp>
-      <p:pic>
-        <p:nvPicPr>
-          <p:cNvPr id="4" name="Content Placeholder 3" descr="DeploymentModel.png"/>
-          <p:cNvPicPr>
-            <a:picLocks noGrp="1" noChangeAspect="1"/>
-          </p:cNvPicPr>
-          <p:nvPr>
-            <p:ph idx="1"/>
-          </p:nvPr>
-        </p:nvPicPr>
-        <p:blipFill>
-          <a:blip r:embed="rId2">
-            <a:extLst>
-              <a:ext uri="{28A0092B-C50C-407E-A947-70E740481C1C}">
-                <a14:useLocalDpi xmlns:a14="http://schemas.microsoft.com/office/drawing/2010/main" val="0"/>
-              </a:ext>
-            </a:extLst>
-          </a:blip>
-          <a:srcRect l="-25285" r="-25285"/>
-          <a:stretch>
-            <a:fillRect/>
-          </a:stretch>
-        </p:blipFill>
-        <p:spPr/>
-      </p:pic>
-    </p:spTree>
-    <p:extLst>
-      <p:ext uri="{BB962C8B-B14F-4D97-AF65-F5344CB8AC3E}">
-        <p14:creationId xmlns:p14="http://schemas.microsoft.com/office/powerpoint/2010/main" val="1294134011"/>
       </p:ext>
     </p:extLst>
   </p:cSld>

--- a/Documentation/Presentation.pptx
+++ b/Documentation/Presentation.pptx
@@ -489,7 +489,7 @@
           <a:p>
             <a:fld id="{C8A432C8-69A7-458B-9684-2BFA64B31948}" type="datetime2">
               <a:rPr lang="en-US" smtClean="0"/>
-              <a:t>Monday, June 3, 13</a:t>
+              <a:t>Tuesday, June 11, 13</a:t>
             </a:fld>
             <a:endParaRPr lang="en-US"/>
           </a:p>
@@ -919,7 +919,7 @@
           <a:p>
             <a:fld id="{C3CD0DB5-738A-BD40-A1D6-248A99BCF0F5}" type="datetimeFigureOut">
               <a:rPr lang="en-US" smtClean="0"/>
-              <a:t>6/3/13</a:t>
+              <a:t>6/11/13</a:t>
             </a:fld>
             <a:endParaRPr lang="en-US"/>
           </a:p>
@@ -1124,7 +1124,7 @@
           <a:p>
             <a:fld id="{C3CD0DB5-738A-BD40-A1D6-248A99BCF0F5}" type="datetimeFigureOut">
               <a:rPr lang="en-US" smtClean="0"/>
-              <a:t>6/3/13</a:t>
+              <a:t>6/11/13</a:t>
             </a:fld>
             <a:endParaRPr lang="en-US"/>
           </a:p>
@@ -1395,7 +1395,7 @@
           <a:p>
             <a:fld id="{C3CD0DB5-738A-BD40-A1D6-248A99BCF0F5}" type="datetimeFigureOut">
               <a:rPr lang="en-US" smtClean="0"/>
-              <a:t>6/3/13</a:t>
+              <a:t>6/11/13</a:t>
             </a:fld>
             <a:endParaRPr lang="en-US"/>
           </a:p>
@@ -1676,7 +1676,7 @@
           <a:p>
             <a:fld id="{C3CD0DB5-738A-BD40-A1D6-248A99BCF0F5}" type="datetimeFigureOut">
               <a:rPr lang="en-US" smtClean="0"/>
-              <a:t>6/3/13</a:t>
+              <a:t>6/11/13</a:t>
             </a:fld>
             <a:endParaRPr lang="en-US"/>
           </a:p>
@@ -1911,7 +1911,7 @@
           <a:p>
             <a:fld id="{C3CD0DB5-738A-BD40-A1D6-248A99BCF0F5}" type="datetimeFigureOut">
               <a:rPr lang="en-US" smtClean="0"/>
-              <a:t>6/3/13</a:t>
+              <a:t>6/11/13</a:t>
             </a:fld>
             <a:endParaRPr lang="en-US"/>
           </a:p>
@@ -2192,7 +2192,7 @@
           <a:p>
             <a:fld id="{C3CD0DB5-738A-BD40-A1D6-248A99BCF0F5}" type="datetimeFigureOut">
               <a:rPr lang="en-US" smtClean="0"/>
-              <a:t>6/3/13</a:t>
+              <a:t>6/11/13</a:t>
             </a:fld>
             <a:endParaRPr lang="en-US"/>
           </a:p>
@@ -2619,7 +2619,7 @@
           <a:p>
             <a:fld id="{C3CD0DB5-738A-BD40-A1D6-248A99BCF0F5}" type="datetimeFigureOut">
               <a:rPr lang="en-US" smtClean="0"/>
-              <a:t>6/3/13</a:t>
+              <a:t>6/11/13</a:t>
             </a:fld>
             <a:endParaRPr lang="en-US"/>
           </a:p>
@@ -3143,7 +3143,7 @@
           <a:p>
             <a:fld id="{9933D019-A32C-4EAD-B8E6-DBDA699692FD}" type="datetime2">
               <a:rPr lang="en-US" smtClean="0"/>
-              <a:t>Monday, June 3, 13</a:t>
+              <a:t>Tuesday, June 11, 13</a:t>
             </a:fld>
             <a:endParaRPr lang="en-US"/>
           </a:p>
@@ -3505,7 +3505,7 @@
           <a:p>
             <a:fld id="{C3CD0DB5-738A-BD40-A1D6-248A99BCF0F5}" type="datetimeFigureOut">
               <a:rPr lang="en-US" smtClean="0"/>
-              <a:t>6/3/13</a:t>
+              <a:t>6/11/13</a:t>
             </a:fld>
             <a:endParaRPr lang="en-US"/>
           </a:p>
@@ -4061,7 +4061,7 @@
           <a:p>
             <a:fld id="{C3CD0DB5-738A-BD40-A1D6-248A99BCF0F5}" type="datetimeFigureOut">
               <a:rPr lang="en-US" smtClean="0"/>
-              <a:t>6/3/13</a:t>
+              <a:t>6/11/13</a:t>
             </a:fld>
             <a:endParaRPr lang="en-US"/>
           </a:p>
@@ -4286,7 +4286,7 @@
           <a:p>
             <a:fld id="{C3CD0DB5-738A-BD40-A1D6-248A99BCF0F5}" type="datetimeFigureOut">
               <a:rPr lang="en-US" smtClean="0"/>
-              <a:t>6/3/13</a:t>
+              <a:t>6/11/13</a:t>
             </a:fld>
             <a:endParaRPr lang="en-US"/>
           </a:p>
@@ -4432,7 +4432,7 @@
           <a:p>
             <a:fld id="{C3CD0DB5-738A-BD40-A1D6-248A99BCF0F5}" type="datetimeFigureOut">
               <a:rPr lang="en-US" smtClean="0"/>
-              <a:t>6/3/13</a:t>
+              <a:t>6/11/13</a:t>
             </a:fld>
             <a:endParaRPr lang="en-US"/>
           </a:p>
@@ -4897,7 +4897,7 @@
           <a:p>
             <a:fld id="{C3CD0DB5-738A-BD40-A1D6-248A99BCF0F5}" type="datetimeFigureOut">
               <a:rPr lang="en-US" smtClean="0"/>
-              <a:t>6/3/13</a:t>
+              <a:t>6/11/13</a:t>
             </a:fld>
             <a:endParaRPr lang="en-US"/>
           </a:p>
@@ -5120,7 +5120,7 @@
           <a:p>
             <a:fld id="{C3CD0DB5-738A-BD40-A1D6-248A99BCF0F5}" type="datetimeFigureOut">
               <a:rPr lang="en-US" smtClean="0"/>
-              <a:t>6/3/13</a:t>
+              <a:t>6/11/13</a:t>
             </a:fld>
             <a:endParaRPr lang="en-US"/>
           </a:p>
@@ -6310,7 +6310,7 @@
       </p:sp>
       <p:pic>
         <p:nvPicPr>
-          <p:cNvPr id="4" name="Content Placeholder 3" descr="FahrplanAbfragen.png"/>
+          <p:cNvPr id="4" name="Content Placeholder 3"/>
           <p:cNvPicPr>
             <a:picLocks noGrp="1" noChangeAspect="1"/>
           </p:cNvPicPr>
@@ -6326,12 +6326,16 @@
               </a:ext>
             </a:extLst>
           </a:blip>
-          <a:srcRect t="-11723" b="-11723"/>
           <a:stretch>
             <a:fillRect/>
           </a:stretch>
         </p:blipFill>
-        <p:spPr/>
+        <p:spPr>
+          <a:xfrm>
+            <a:off x="779463" y="2330368"/>
+            <a:ext cx="7583488" cy="3246136"/>
+          </a:xfrm>
+        </p:spPr>
       </p:pic>
     </p:spTree>
     <p:extLst>
